--- a/docs/Gsoc_midterm_demo_070715.pptx
+++ b/docs/Gsoc_midterm_demo_070715.pptx
@@ -10,11 +10,18 @@
     <p:sldId id="262" r:id="rId4"/>
     <p:sldId id="263" r:id="rId5"/>
     <p:sldId id="258" r:id="rId6"/>
-    <p:sldId id="259" r:id="rId7"/>
-    <p:sldId id="260" r:id="rId8"/>
-    <p:sldId id="261" r:id="rId9"/>
-    <p:sldId id="264" r:id="rId10"/>
-    <p:sldId id="265" r:id="rId11"/>
+    <p:sldId id="272" r:id="rId7"/>
+    <p:sldId id="259" r:id="rId8"/>
+    <p:sldId id="260" r:id="rId9"/>
+    <p:sldId id="261" r:id="rId10"/>
+    <p:sldId id="266" r:id="rId11"/>
+    <p:sldId id="269" r:id="rId12"/>
+    <p:sldId id="270" r:id="rId13"/>
+    <p:sldId id="271" r:id="rId14"/>
+    <p:sldId id="267" r:id="rId15"/>
+    <p:sldId id="264" r:id="rId16"/>
+    <p:sldId id="273" r:id="rId17"/>
+    <p:sldId id="265" r:id="rId18"/>
   </p:sldIdLst>
   <p:sldSz cx="9144000" cy="6858000" type="screen4x3"/>
   <p:notesSz cx="6858000" cy="9144000"/>
@@ -3216,13 +3223,9 @@
           <a:p>
             <a:r>
               <a:rPr kumimoji="1" lang="en-US" altLang="zh-CN" dirty="0" smtClean="0"/>
-              <a:t>TODO for </a:t>
-            </a:r>
-            <a:r>
-              <a:rPr kumimoji="1" lang="en-US" altLang="zh-CN" smtClean="0"/>
-              <a:t>second half</a:t>
-            </a:r>
-            <a:endParaRPr kumimoji="1" lang="zh-CN" altLang="en-US"/>
+              <a:t>Implementation</a:t>
+            </a:r>
+            <a:endParaRPr kumimoji="1" lang="zh-CN" altLang="en-US" dirty="0"/>
           </a:p>
         </p:txBody>
       </p:sp>
@@ -3241,7 +3244,809 @@
           <a:bodyPr/>
           <a:lstStyle/>
           <a:p>
-            <a:endParaRPr kumimoji="1" lang="zh-CN" altLang="en-US"/>
+            <a:r>
+              <a:rPr kumimoji="1" lang="en-US" altLang="zh-CN" dirty="0" smtClean="0"/>
+              <a:t>Spring framework</a:t>
+            </a:r>
+          </a:p>
+          <a:p>
+            <a:pPr lvl="1"/>
+            <a:r>
+              <a:rPr kumimoji="1" lang="en-US" altLang="zh-CN" dirty="0" smtClean="0"/>
+              <a:t>Spring MVC</a:t>
+            </a:r>
+          </a:p>
+          <a:p>
+            <a:pPr lvl="1"/>
+            <a:r>
+              <a:rPr kumimoji="1" lang="en-US" altLang="zh-CN" dirty="0" smtClean="0"/>
+              <a:t>Spring Data </a:t>
+            </a:r>
+            <a:r>
+              <a:rPr kumimoji="1" lang="en-US" altLang="zh-CN" dirty="0" err="1" smtClean="0"/>
+              <a:t>MongoDB</a:t>
+            </a:r>
+            <a:r>
+              <a:rPr kumimoji="1" lang="en-US" altLang="zh-CN" dirty="0" smtClean="0"/>
+              <a:t> </a:t>
+            </a:r>
+          </a:p>
+          <a:p>
+            <a:pPr marL="0" indent="0">
+              <a:buNone/>
+            </a:pPr>
+            <a:endParaRPr kumimoji="1" lang="en-US" altLang="zh-CN" dirty="0" smtClean="0"/>
+          </a:p>
+          <a:p>
+            <a:r>
+              <a:rPr kumimoji="1" lang="en-US" altLang="zh-CN" dirty="0" smtClean="0"/>
+              <a:t>Command line utilities for data import</a:t>
+            </a:r>
+          </a:p>
+          <a:p>
+            <a:endParaRPr kumimoji="1" lang="en-US" altLang="zh-CN" dirty="0" smtClean="0"/>
+          </a:p>
+          <a:p>
+            <a:r>
+              <a:rPr kumimoji="1" lang="en-US" altLang="zh-CN" dirty="0" smtClean="0"/>
+              <a:t>Managed by Maven</a:t>
+            </a:r>
+            <a:endParaRPr kumimoji="1" lang="en-US" altLang="zh-CN" dirty="0"/>
+          </a:p>
+        </p:txBody>
+      </p:sp>
+    </p:spTree>
+    <p:extLst>
+      <p:ext uri="{BB962C8B-B14F-4D97-AF65-F5344CB8AC3E}">
+        <p14:creationId xmlns:p14="http://schemas.microsoft.com/office/powerpoint/2010/main" val="630216944"/>
+      </p:ext>
+    </p:extLst>
+  </p:cSld>
+  <p:clrMapOvr>
+    <a:masterClrMapping/>
+  </p:clrMapOvr>
+</p:sld>
+</file>
+
+<file path=ppt/slides/slide11.xml><?xml version="1.0" encoding="utf-8"?>
+<p:sld xmlns:a="http://schemas.openxmlformats.org/drawingml/2006/main" xmlns:r="http://schemas.openxmlformats.org/officeDocument/2006/relationships" xmlns:p="http://schemas.openxmlformats.org/presentationml/2006/main">
+  <p:cSld>
+    <p:spTree>
+      <p:nvGrpSpPr>
+        <p:cNvPr id="1" name=""/>
+        <p:cNvGrpSpPr/>
+        <p:nvPr/>
+      </p:nvGrpSpPr>
+      <p:grpSpPr>
+        <a:xfrm>
+          <a:off x="0" y="0"/>
+          <a:ext cx="0" cy="0"/>
+          <a:chOff x="0" y="0"/>
+          <a:chExt cx="0" cy="0"/>
+        </a:xfrm>
+      </p:grpSpPr>
+      <p:sp>
+        <p:nvSpPr>
+          <p:cNvPr id="2" name="标题 1"/>
+          <p:cNvSpPr>
+            <a:spLocks noGrp="1"/>
+          </p:cNvSpPr>
+          <p:nvPr>
+            <p:ph type="title"/>
+          </p:nvPr>
+        </p:nvSpPr>
+        <p:spPr/>
+        <p:txBody>
+          <a:bodyPr/>
+          <a:lstStyle/>
+          <a:p>
+            <a:r>
+              <a:rPr kumimoji="1" lang="en-US" altLang="zh-CN" dirty="0" smtClean="0"/>
+              <a:t>Implementation</a:t>
+            </a:r>
+            <a:endParaRPr kumimoji="1" lang="zh-CN" altLang="en-US" dirty="0"/>
+          </a:p>
+        </p:txBody>
+      </p:sp>
+      <p:sp>
+        <p:nvSpPr>
+          <p:cNvPr id="3" name="内容占位符 2"/>
+          <p:cNvSpPr>
+            <a:spLocks noGrp="1"/>
+          </p:cNvSpPr>
+          <p:nvPr>
+            <p:ph idx="1"/>
+          </p:nvPr>
+        </p:nvSpPr>
+        <p:spPr/>
+        <p:txBody>
+          <a:bodyPr/>
+          <a:lstStyle/>
+          <a:p>
+            <a:r>
+              <a:rPr kumimoji="1" lang="en-US" altLang="zh-CN" dirty="0" smtClean="0"/>
+              <a:t>Spring framework</a:t>
+            </a:r>
+          </a:p>
+          <a:p>
+            <a:pPr lvl="1"/>
+            <a:r>
+              <a:rPr kumimoji="1" lang="en-US" altLang="zh-CN" dirty="0" smtClean="0"/>
+              <a:t>Spring MVC</a:t>
+            </a:r>
+          </a:p>
+          <a:p>
+            <a:pPr lvl="1"/>
+            <a:r>
+              <a:rPr kumimoji="1" lang="en-US" altLang="zh-CN" dirty="0" smtClean="0"/>
+              <a:t>Spring Data </a:t>
+            </a:r>
+            <a:r>
+              <a:rPr kumimoji="1" lang="en-US" altLang="zh-CN" dirty="0" err="1" smtClean="0"/>
+              <a:t>MongoDB</a:t>
+            </a:r>
+            <a:r>
+              <a:rPr kumimoji="1" lang="en-US" altLang="zh-CN" dirty="0" smtClean="0"/>
+              <a:t> </a:t>
+            </a:r>
+          </a:p>
+          <a:p>
+            <a:pPr marL="0" indent="0">
+              <a:buNone/>
+            </a:pPr>
+            <a:endParaRPr kumimoji="1" lang="en-US" altLang="zh-CN" dirty="0" smtClean="0"/>
+          </a:p>
+        </p:txBody>
+      </p:sp>
+    </p:spTree>
+    <p:extLst>
+      <p:ext uri="{BB962C8B-B14F-4D97-AF65-F5344CB8AC3E}">
+        <p14:creationId xmlns:p14="http://schemas.microsoft.com/office/powerpoint/2010/main" val="877928734"/>
+      </p:ext>
+    </p:extLst>
+  </p:cSld>
+  <p:clrMapOvr>
+    <a:masterClrMapping/>
+  </p:clrMapOvr>
+</p:sld>
+</file>
+
+<file path=ppt/slides/slide12.xml><?xml version="1.0" encoding="utf-8"?>
+<p:sld xmlns:a="http://schemas.openxmlformats.org/drawingml/2006/main" xmlns:r="http://schemas.openxmlformats.org/officeDocument/2006/relationships" xmlns:p="http://schemas.openxmlformats.org/presentationml/2006/main">
+  <p:cSld>
+    <p:spTree>
+      <p:nvGrpSpPr>
+        <p:cNvPr id="1" name=""/>
+        <p:cNvGrpSpPr/>
+        <p:nvPr/>
+      </p:nvGrpSpPr>
+      <p:grpSpPr>
+        <a:xfrm>
+          <a:off x="0" y="0"/>
+          <a:ext cx="0" cy="0"/>
+          <a:chOff x="0" y="0"/>
+          <a:chExt cx="0" cy="0"/>
+        </a:xfrm>
+      </p:grpSpPr>
+      <p:sp>
+        <p:nvSpPr>
+          <p:cNvPr id="2" name="标题 1"/>
+          <p:cNvSpPr>
+            <a:spLocks noGrp="1"/>
+          </p:cNvSpPr>
+          <p:nvPr>
+            <p:ph type="title"/>
+          </p:nvPr>
+        </p:nvSpPr>
+        <p:spPr/>
+        <p:txBody>
+          <a:bodyPr/>
+          <a:lstStyle/>
+          <a:p>
+            <a:r>
+              <a:rPr kumimoji="1" lang="en-US" altLang="zh-CN" dirty="0" smtClean="0"/>
+              <a:t>Implementation</a:t>
+            </a:r>
+            <a:endParaRPr kumimoji="1" lang="zh-CN" altLang="en-US" dirty="0"/>
+          </a:p>
+        </p:txBody>
+      </p:sp>
+      <p:sp>
+        <p:nvSpPr>
+          <p:cNvPr id="3" name="内容占位符 2"/>
+          <p:cNvSpPr>
+            <a:spLocks noGrp="1"/>
+          </p:cNvSpPr>
+          <p:nvPr>
+            <p:ph idx="1"/>
+          </p:nvPr>
+        </p:nvSpPr>
+        <p:spPr/>
+        <p:txBody>
+          <a:bodyPr/>
+          <a:lstStyle/>
+          <a:p>
+            <a:r>
+              <a:rPr kumimoji="1" lang="en-US" altLang="zh-CN" dirty="0" smtClean="0"/>
+              <a:t>Spring framework</a:t>
+            </a:r>
+          </a:p>
+          <a:p>
+            <a:pPr lvl="1"/>
+            <a:r>
+              <a:rPr kumimoji="1" lang="en-US" altLang="zh-CN" dirty="0" smtClean="0"/>
+              <a:t>Spring MVC</a:t>
+            </a:r>
+          </a:p>
+          <a:p>
+            <a:pPr lvl="1"/>
+            <a:r>
+              <a:rPr kumimoji="1" lang="en-US" altLang="zh-CN" dirty="0" smtClean="0"/>
+              <a:t>Spring Data </a:t>
+            </a:r>
+            <a:r>
+              <a:rPr kumimoji="1" lang="en-US" altLang="zh-CN" dirty="0" err="1" smtClean="0"/>
+              <a:t>MongoDB</a:t>
+            </a:r>
+            <a:r>
+              <a:rPr kumimoji="1" lang="en-US" altLang="zh-CN" dirty="0" smtClean="0"/>
+              <a:t> </a:t>
+            </a:r>
+          </a:p>
+          <a:p>
+            <a:pPr marL="0" indent="0">
+              <a:buNone/>
+            </a:pPr>
+            <a:endParaRPr kumimoji="1" lang="en-US" altLang="zh-CN" dirty="0" smtClean="0"/>
+          </a:p>
+          <a:p>
+            <a:r>
+              <a:rPr kumimoji="1" lang="en-US" altLang="zh-CN" dirty="0" smtClean="0"/>
+              <a:t>Command line utilities, e.g. data import scripts</a:t>
+            </a:r>
+          </a:p>
+          <a:p>
+            <a:endParaRPr kumimoji="1" lang="en-US" altLang="zh-CN" dirty="0" smtClean="0"/>
+          </a:p>
+        </p:txBody>
+      </p:sp>
+    </p:spTree>
+    <p:extLst>
+      <p:ext uri="{BB962C8B-B14F-4D97-AF65-F5344CB8AC3E}">
+        <p14:creationId xmlns:p14="http://schemas.microsoft.com/office/powerpoint/2010/main" val="877928734"/>
+      </p:ext>
+    </p:extLst>
+  </p:cSld>
+  <p:clrMapOvr>
+    <a:masterClrMapping/>
+  </p:clrMapOvr>
+</p:sld>
+</file>
+
+<file path=ppt/slides/slide13.xml><?xml version="1.0" encoding="utf-8"?>
+<p:sld xmlns:a="http://schemas.openxmlformats.org/drawingml/2006/main" xmlns:r="http://schemas.openxmlformats.org/officeDocument/2006/relationships" xmlns:p="http://schemas.openxmlformats.org/presentationml/2006/main">
+  <p:cSld>
+    <p:spTree>
+      <p:nvGrpSpPr>
+        <p:cNvPr id="1" name=""/>
+        <p:cNvGrpSpPr/>
+        <p:nvPr/>
+      </p:nvGrpSpPr>
+      <p:grpSpPr>
+        <a:xfrm>
+          <a:off x="0" y="0"/>
+          <a:ext cx="0" cy="0"/>
+          <a:chOff x="0" y="0"/>
+          <a:chExt cx="0" cy="0"/>
+        </a:xfrm>
+      </p:grpSpPr>
+      <p:sp>
+        <p:nvSpPr>
+          <p:cNvPr id="2" name="标题 1"/>
+          <p:cNvSpPr>
+            <a:spLocks noGrp="1"/>
+          </p:cNvSpPr>
+          <p:nvPr>
+            <p:ph type="title"/>
+          </p:nvPr>
+        </p:nvSpPr>
+        <p:spPr/>
+        <p:txBody>
+          <a:bodyPr/>
+          <a:lstStyle/>
+          <a:p>
+            <a:r>
+              <a:rPr kumimoji="1" lang="en-US" altLang="zh-CN" dirty="0" smtClean="0"/>
+              <a:t>Implementation</a:t>
+            </a:r>
+            <a:endParaRPr kumimoji="1" lang="zh-CN" altLang="en-US" dirty="0"/>
+          </a:p>
+        </p:txBody>
+      </p:sp>
+      <p:sp>
+        <p:nvSpPr>
+          <p:cNvPr id="3" name="内容占位符 2"/>
+          <p:cNvSpPr>
+            <a:spLocks noGrp="1"/>
+          </p:cNvSpPr>
+          <p:nvPr>
+            <p:ph idx="1"/>
+          </p:nvPr>
+        </p:nvSpPr>
+        <p:spPr/>
+        <p:txBody>
+          <a:bodyPr/>
+          <a:lstStyle/>
+          <a:p>
+            <a:r>
+              <a:rPr kumimoji="1" lang="en-US" altLang="zh-CN" dirty="0" smtClean="0"/>
+              <a:t>Spring framework</a:t>
+            </a:r>
+          </a:p>
+          <a:p>
+            <a:pPr lvl="1"/>
+            <a:r>
+              <a:rPr kumimoji="1" lang="en-US" altLang="zh-CN" dirty="0" smtClean="0"/>
+              <a:t>Spring MVC</a:t>
+            </a:r>
+          </a:p>
+          <a:p>
+            <a:pPr lvl="1"/>
+            <a:r>
+              <a:rPr kumimoji="1" lang="en-US" altLang="zh-CN" dirty="0" smtClean="0"/>
+              <a:t>Spring Data </a:t>
+            </a:r>
+            <a:r>
+              <a:rPr kumimoji="1" lang="en-US" altLang="zh-CN" dirty="0" err="1" smtClean="0"/>
+              <a:t>MongoDB</a:t>
+            </a:r>
+            <a:r>
+              <a:rPr kumimoji="1" lang="en-US" altLang="zh-CN" dirty="0" smtClean="0"/>
+              <a:t> </a:t>
+            </a:r>
+          </a:p>
+          <a:p>
+            <a:pPr marL="0" indent="0">
+              <a:buNone/>
+            </a:pPr>
+            <a:endParaRPr kumimoji="1" lang="en-US" altLang="zh-CN" dirty="0" smtClean="0"/>
+          </a:p>
+          <a:p>
+            <a:r>
+              <a:rPr kumimoji="1" lang="en-US" altLang="zh-CN" dirty="0" smtClean="0"/>
+              <a:t>Command line utilities, e.g. data import scripts</a:t>
+            </a:r>
+          </a:p>
+          <a:p>
+            <a:endParaRPr kumimoji="1" lang="en-US" altLang="zh-CN" dirty="0" smtClean="0"/>
+          </a:p>
+          <a:p>
+            <a:r>
+              <a:rPr kumimoji="1" lang="en-US" altLang="zh-CN" dirty="0" smtClean="0"/>
+              <a:t>Managed by Maven</a:t>
+            </a:r>
+            <a:endParaRPr kumimoji="1" lang="en-US" altLang="zh-CN" dirty="0"/>
+          </a:p>
+        </p:txBody>
+      </p:sp>
+    </p:spTree>
+    <p:extLst>
+      <p:ext uri="{BB962C8B-B14F-4D97-AF65-F5344CB8AC3E}">
+        <p14:creationId xmlns:p14="http://schemas.microsoft.com/office/powerpoint/2010/main" val="877928734"/>
+      </p:ext>
+    </p:extLst>
+  </p:cSld>
+  <p:clrMapOvr>
+    <a:masterClrMapping/>
+  </p:clrMapOvr>
+</p:sld>
+</file>
+
+<file path=ppt/slides/slide14.xml><?xml version="1.0" encoding="utf-8"?>
+<p:sld xmlns:a="http://schemas.openxmlformats.org/drawingml/2006/main" xmlns:r="http://schemas.openxmlformats.org/officeDocument/2006/relationships" xmlns:p="http://schemas.openxmlformats.org/presentationml/2006/main">
+  <p:cSld>
+    <p:spTree>
+      <p:nvGrpSpPr>
+        <p:cNvPr id="1" name=""/>
+        <p:cNvGrpSpPr/>
+        <p:nvPr/>
+      </p:nvGrpSpPr>
+      <p:grpSpPr>
+        <a:xfrm>
+          <a:off x="0" y="0"/>
+          <a:ext cx="0" cy="0"/>
+          <a:chOff x="0" y="0"/>
+          <a:chExt cx="0" cy="0"/>
+        </a:xfrm>
+      </p:grpSpPr>
+      <p:sp>
+        <p:nvSpPr>
+          <p:cNvPr id="2" name="标题 1"/>
+          <p:cNvSpPr>
+            <a:spLocks noGrp="1"/>
+          </p:cNvSpPr>
+          <p:nvPr>
+            <p:ph type="title"/>
+          </p:nvPr>
+        </p:nvSpPr>
+        <p:spPr/>
+        <p:txBody>
+          <a:bodyPr/>
+          <a:lstStyle/>
+          <a:p>
+            <a:r>
+              <a:rPr kumimoji="1" lang="en-US" altLang="zh-CN" dirty="0" smtClean="0"/>
+              <a:t>Building and running</a:t>
+            </a:r>
+            <a:endParaRPr kumimoji="1" lang="zh-CN" altLang="en-US" dirty="0"/>
+          </a:p>
+        </p:txBody>
+      </p:sp>
+      <p:sp>
+        <p:nvSpPr>
+          <p:cNvPr id="3" name="内容占位符 2"/>
+          <p:cNvSpPr>
+            <a:spLocks noGrp="1"/>
+          </p:cNvSpPr>
+          <p:nvPr>
+            <p:ph idx="1"/>
+          </p:nvPr>
+        </p:nvSpPr>
+        <p:spPr/>
+        <p:txBody>
+          <a:bodyPr>
+            <a:normAutofit/>
+          </a:bodyPr>
+          <a:lstStyle/>
+          <a:p>
+            <a:pPr marL="0" indent="0">
+              <a:buNone/>
+            </a:pPr>
+            <a:r>
+              <a:rPr kumimoji="1" lang="en-US" altLang="zh-CN" sz="2400" dirty="0" smtClean="0">
+                <a:latin typeface="Courier"/>
+                <a:cs typeface="Courier"/>
+              </a:rPr>
+              <a:t>	$</a:t>
+            </a:r>
+            <a:r>
+              <a:rPr kumimoji="1" lang="en-US" altLang="zh-CN" sz="2400" dirty="0" err="1" smtClean="0">
+                <a:latin typeface="Courier"/>
+                <a:cs typeface="Courier"/>
+              </a:rPr>
+              <a:t>mvn</a:t>
+            </a:r>
+            <a:r>
+              <a:rPr kumimoji="1" lang="en-US" altLang="zh-CN" sz="2400" dirty="0" smtClean="0">
+                <a:latin typeface="Courier"/>
+                <a:cs typeface="Courier"/>
+              </a:rPr>
+              <a:t> package</a:t>
+            </a:r>
+          </a:p>
+          <a:p>
+            <a:pPr marL="0" indent="0">
+              <a:buNone/>
+            </a:pPr>
+            <a:endParaRPr kumimoji="1" lang="en-US" altLang="zh-CN" sz="2400" dirty="0">
+              <a:latin typeface="Courier"/>
+              <a:cs typeface="Courier"/>
+            </a:endParaRPr>
+          </a:p>
+          <a:p>
+            <a:pPr marL="0" indent="0">
+              <a:buNone/>
+            </a:pPr>
+            <a:r>
+              <a:rPr kumimoji="1" lang="en-US" altLang="zh-CN" sz="2400" dirty="0" smtClean="0">
+                <a:latin typeface="Courier"/>
+                <a:cs typeface="Courier"/>
+              </a:rPr>
+              <a:t>	$java –jar target/{project-name}.jar</a:t>
+            </a:r>
+            <a:endParaRPr kumimoji="1" lang="zh-CN" altLang="en-US" sz="2400" dirty="0">
+              <a:latin typeface="Courier"/>
+              <a:cs typeface="Courier"/>
+            </a:endParaRPr>
+          </a:p>
+        </p:txBody>
+      </p:sp>
+    </p:spTree>
+    <p:extLst>
+      <p:ext uri="{BB962C8B-B14F-4D97-AF65-F5344CB8AC3E}">
+        <p14:creationId xmlns:p14="http://schemas.microsoft.com/office/powerpoint/2010/main" val="422138613"/>
+      </p:ext>
+    </p:extLst>
+  </p:cSld>
+  <p:clrMapOvr>
+    <a:masterClrMapping/>
+  </p:clrMapOvr>
+</p:sld>
+</file>
+
+<file path=ppt/slides/slide15.xml><?xml version="1.0" encoding="utf-8"?>
+<p:sld xmlns:a="http://schemas.openxmlformats.org/drawingml/2006/main" xmlns:r="http://schemas.openxmlformats.org/officeDocument/2006/relationships" xmlns:p="http://schemas.openxmlformats.org/presentationml/2006/main">
+  <p:cSld>
+    <p:spTree>
+      <p:nvGrpSpPr>
+        <p:cNvPr id="1" name=""/>
+        <p:cNvGrpSpPr/>
+        <p:nvPr/>
+      </p:nvGrpSpPr>
+      <p:grpSpPr>
+        <a:xfrm>
+          <a:off x="0" y="0"/>
+          <a:ext cx="0" cy="0"/>
+          <a:chOff x="0" y="0"/>
+          <a:chExt cx="0" cy="0"/>
+        </a:xfrm>
+      </p:grpSpPr>
+      <p:sp>
+        <p:nvSpPr>
+          <p:cNvPr id="2" name="标题 1"/>
+          <p:cNvSpPr>
+            <a:spLocks noGrp="1"/>
+          </p:cNvSpPr>
+          <p:nvPr>
+            <p:ph type="title"/>
+          </p:nvPr>
+        </p:nvSpPr>
+        <p:spPr/>
+        <p:txBody>
+          <a:bodyPr/>
+          <a:lstStyle/>
+          <a:p>
+            <a:r>
+              <a:rPr kumimoji="1" lang="en-US" altLang="zh-CN" dirty="0" smtClean="0"/>
+              <a:t>Query demo</a:t>
+            </a:r>
+            <a:endParaRPr kumimoji="1" lang="zh-CN" altLang="en-US" dirty="0"/>
+          </a:p>
+        </p:txBody>
+      </p:sp>
+      <p:sp>
+        <p:nvSpPr>
+          <p:cNvPr id="3" name="内容占位符 2"/>
+          <p:cNvSpPr>
+            <a:spLocks noGrp="1"/>
+          </p:cNvSpPr>
+          <p:nvPr>
+            <p:ph idx="1"/>
+          </p:nvPr>
+        </p:nvSpPr>
+        <p:spPr/>
+        <p:txBody>
+          <a:bodyPr/>
+          <a:lstStyle/>
+          <a:p>
+            <a:r>
+              <a:rPr kumimoji="1" lang="en-US" altLang="zh-CN" dirty="0" smtClean="0"/>
+              <a:t>URL pattern</a:t>
+            </a:r>
+          </a:p>
+          <a:p>
+            <a:endParaRPr kumimoji="1" lang="en-US" altLang="zh-CN" dirty="0"/>
+          </a:p>
+          <a:p>
+            <a:r>
+              <a:rPr kumimoji="1" lang="en-US" altLang="zh-CN" dirty="0" smtClean="0"/>
+              <a:t>Dynamic queries</a:t>
+            </a:r>
+          </a:p>
+          <a:p>
+            <a:endParaRPr kumimoji="1" lang="en-US" altLang="zh-CN" dirty="0"/>
+          </a:p>
+          <a:p>
+            <a:r>
+              <a:rPr kumimoji="1" lang="en-US" altLang="zh-CN" dirty="0" smtClean="0"/>
+              <a:t>Field filtering</a:t>
+            </a:r>
+          </a:p>
+          <a:p>
+            <a:endParaRPr kumimoji="1" lang="en-US" altLang="zh-CN" dirty="0"/>
+          </a:p>
+        </p:txBody>
+      </p:sp>
+    </p:spTree>
+    <p:extLst>
+      <p:ext uri="{BB962C8B-B14F-4D97-AF65-F5344CB8AC3E}">
+        <p14:creationId xmlns:p14="http://schemas.microsoft.com/office/powerpoint/2010/main" val="1464634272"/>
+      </p:ext>
+    </p:extLst>
+  </p:cSld>
+  <p:clrMapOvr>
+    <a:masterClrMapping/>
+  </p:clrMapOvr>
+</p:sld>
+</file>
+
+<file path=ppt/slides/slide16.xml><?xml version="1.0" encoding="utf-8"?>
+<p:sld xmlns:a="http://schemas.openxmlformats.org/drawingml/2006/main" xmlns:r="http://schemas.openxmlformats.org/officeDocument/2006/relationships" xmlns:p="http://schemas.openxmlformats.org/presentationml/2006/main">
+  <p:cSld>
+    <p:spTree>
+      <p:nvGrpSpPr>
+        <p:cNvPr id="1" name=""/>
+        <p:cNvGrpSpPr/>
+        <p:nvPr/>
+      </p:nvGrpSpPr>
+      <p:grpSpPr>
+        <a:xfrm>
+          <a:off x="0" y="0"/>
+          <a:ext cx="0" cy="0"/>
+          <a:chOff x="0" y="0"/>
+          <a:chExt cx="0" cy="0"/>
+        </a:xfrm>
+      </p:grpSpPr>
+      <p:sp>
+        <p:nvSpPr>
+          <p:cNvPr id="2" name="标题 1"/>
+          <p:cNvSpPr>
+            <a:spLocks noGrp="1"/>
+          </p:cNvSpPr>
+          <p:nvPr>
+            <p:ph type="title"/>
+          </p:nvPr>
+        </p:nvSpPr>
+        <p:spPr/>
+        <p:txBody>
+          <a:bodyPr/>
+          <a:lstStyle/>
+          <a:p>
+            <a:r>
+              <a:rPr kumimoji="1" lang="en-US" altLang="zh-CN" dirty="0" smtClean="0"/>
+              <a:t>Current issues</a:t>
+            </a:r>
+            <a:endParaRPr kumimoji="1" lang="zh-CN" altLang="en-US" dirty="0"/>
+          </a:p>
+        </p:txBody>
+      </p:sp>
+      <p:sp>
+        <p:nvSpPr>
+          <p:cNvPr id="3" name="内容占位符 2"/>
+          <p:cNvSpPr>
+            <a:spLocks noGrp="1"/>
+          </p:cNvSpPr>
+          <p:nvPr>
+            <p:ph idx="1"/>
+          </p:nvPr>
+        </p:nvSpPr>
+        <p:spPr/>
+        <p:txBody>
+          <a:bodyPr/>
+          <a:lstStyle/>
+          <a:p>
+            <a:r>
+              <a:rPr kumimoji="1" lang="en-US" altLang="zh-CN" dirty="0" smtClean="0"/>
+              <a:t>Inheritance relationship is not handled properly.</a:t>
+            </a:r>
+          </a:p>
+          <a:p>
+            <a:pPr lvl="1"/>
+            <a:r>
+              <a:rPr kumimoji="1" lang="en-US" altLang="zh-CN" dirty="0" smtClean="0"/>
+              <a:t>For example I have not managed to implement a query for returning all subject records showing all fields.</a:t>
+            </a:r>
+            <a:endParaRPr kumimoji="1" lang="zh-CN" altLang="en-US" dirty="0"/>
+          </a:p>
+        </p:txBody>
+      </p:sp>
+    </p:spTree>
+    <p:extLst>
+      <p:ext uri="{BB962C8B-B14F-4D97-AF65-F5344CB8AC3E}">
+        <p14:creationId xmlns:p14="http://schemas.microsoft.com/office/powerpoint/2010/main" val="1856219634"/>
+      </p:ext>
+    </p:extLst>
+  </p:cSld>
+  <p:clrMapOvr>
+    <a:masterClrMapping/>
+  </p:clrMapOvr>
+</p:sld>
+</file>
+
+<file path=ppt/slides/slide17.xml><?xml version="1.0" encoding="utf-8"?>
+<p:sld xmlns:a="http://schemas.openxmlformats.org/drawingml/2006/main" xmlns:r="http://schemas.openxmlformats.org/officeDocument/2006/relationships" xmlns:p="http://schemas.openxmlformats.org/presentationml/2006/main">
+  <p:cSld>
+    <p:spTree>
+      <p:nvGrpSpPr>
+        <p:cNvPr id="1" name=""/>
+        <p:cNvGrpSpPr/>
+        <p:nvPr/>
+      </p:nvGrpSpPr>
+      <p:grpSpPr>
+        <a:xfrm>
+          <a:off x="0" y="0"/>
+          <a:ext cx="0" cy="0"/>
+          <a:chOff x="0" y="0"/>
+          <a:chExt cx="0" cy="0"/>
+        </a:xfrm>
+      </p:grpSpPr>
+      <p:sp>
+        <p:nvSpPr>
+          <p:cNvPr id="2" name="标题 1"/>
+          <p:cNvSpPr>
+            <a:spLocks noGrp="1"/>
+          </p:cNvSpPr>
+          <p:nvPr>
+            <p:ph type="title"/>
+          </p:nvPr>
+        </p:nvSpPr>
+        <p:spPr/>
+        <p:txBody>
+          <a:bodyPr/>
+          <a:lstStyle/>
+          <a:p>
+            <a:r>
+              <a:rPr kumimoji="1" lang="en-US" altLang="zh-CN" dirty="0" smtClean="0"/>
+              <a:t>TODO for second half</a:t>
+            </a:r>
+            <a:endParaRPr kumimoji="1" lang="zh-CN" altLang="en-US" dirty="0"/>
+          </a:p>
+        </p:txBody>
+      </p:sp>
+      <p:sp>
+        <p:nvSpPr>
+          <p:cNvPr id="3" name="内容占位符 2"/>
+          <p:cNvSpPr>
+            <a:spLocks noGrp="1"/>
+          </p:cNvSpPr>
+          <p:nvPr>
+            <p:ph idx="1"/>
+          </p:nvPr>
+        </p:nvSpPr>
+        <p:spPr/>
+        <p:txBody>
+          <a:bodyPr>
+            <a:normAutofit fontScale="92500" lnSpcReduction="10000"/>
+          </a:bodyPr>
+          <a:lstStyle/>
+          <a:p>
+            <a:r>
+              <a:rPr kumimoji="1" lang="en-US" altLang="zh-CN" dirty="0" smtClean="0"/>
+              <a:t>Pagination and sorting </a:t>
+            </a:r>
+          </a:p>
+          <a:p>
+            <a:endParaRPr kumimoji="1" lang="en-US" altLang="zh-CN" dirty="0"/>
+          </a:p>
+          <a:p>
+            <a:r>
+              <a:rPr kumimoji="1" lang="en-US" altLang="zh-CN" dirty="0" smtClean="0"/>
+              <a:t>Incorporate HATEOAS</a:t>
+            </a:r>
+          </a:p>
+          <a:p>
+            <a:endParaRPr kumimoji="1" lang="en-US" altLang="zh-CN" dirty="0"/>
+          </a:p>
+          <a:p>
+            <a:r>
+              <a:rPr kumimoji="1" lang="en-US" altLang="zh-CN" dirty="0" smtClean="0"/>
+              <a:t>Import performance benchmark</a:t>
+            </a:r>
+          </a:p>
+          <a:p>
+            <a:pPr lvl="1"/>
+            <a:r>
+              <a:rPr kumimoji="1" lang="en-US" altLang="zh-CN" dirty="0" smtClean="0"/>
+              <a:t>Native </a:t>
+            </a:r>
+            <a:r>
+              <a:rPr kumimoji="1" lang="en-US" altLang="zh-CN" dirty="0" err="1" smtClean="0"/>
+              <a:t>MongoDB</a:t>
+            </a:r>
+            <a:r>
+              <a:rPr kumimoji="1" lang="en-US" altLang="zh-CN" dirty="0" smtClean="0"/>
+              <a:t> statements vs. Spring Data Repository methods for insertion</a:t>
+            </a:r>
+          </a:p>
+          <a:p>
+            <a:endParaRPr kumimoji="1" lang="en-US" altLang="zh-CN" dirty="0"/>
+          </a:p>
+          <a:p>
+            <a:r>
+              <a:rPr kumimoji="1" lang="en-US" altLang="zh-CN" dirty="0" smtClean="0"/>
+              <a:t>Query performance benchmark</a:t>
+            </a:r>
+            <a:endParaRPr kumimoji="1" lang="zh-CN" altLang="en-US" dirty="0"/>
           </a:p>
         </p:txBody>
       </p:sp>
@@ -3651,7 +4456,7 @@
           <a:p>
             <a:r>
               <a:rPr kumimoji="1" lang="en-US" altLang="zh-CN" dirty="0" smtClean="0"/>
-              <a:t>Project overview</a:t>
+              <a:t>Data Model</a:t>
             </a:r>
             <a:endParaRPr kumimoji="1" lang="zh-CN" altLang="en-US" dirty="0"/>
           </a:p>
@@ -3670,20 +4475,49 @@
         <p:spPr/>
         <p:txBody>
           <a:bodyPr>
-            <a:normAutofit/>
+            <a:normAutofit fontScale="92500" lnSpcReduction="20000"/>
           </a:bodyPr>
           <a:lstStyle/>
           <a:p>
             <a:r>
-              <a:rPr kumimoji="1" lang="en-US" altLang="zh-CN" sz="3000" dirty="0" smtClean="0"/>
-              <a:t>Design data model for cancer genomic data</a:t>
+              <a:rPr kumimoji="1" lang="en-US" altLang="zh-CN" dirty="0" smtClean="0"/>
+              <a:t>Data</a:t>
             </a:r>
           </a:p>
           <a:p>
             <a:pPr lvl="1"/>
             <a:r>
-              <a:rPr kumimoji="1" lang="en-US" altLang="zh-CN" sz="2600" dirty="0" smtClean="0"/>
-              <a:t>Processed, not raw data</a:t>
+              <a:rPr kumimoji="1" lang="en-US" altLang="zh-CN" dirty="0" smtClean="0"/>
+              <a:t>Subject (patients, cell lines, animal models,…)</a:t>
+            </a:r>
+          </a:p>
+          <a:p>
+            <a:pPr lvl="1"/>
+            <a:r>
+              <a:rPr kumimoji="1" lang="en-US" altLang="zh-CN" dirty="0" smtClean="0"/>
+              <a:t>Sample </a:t>
+            </a:r>
+          </a:p>
+          <a:p>
+            <a:pPr lvl="1"/>
+            <a:r>
+              <a:rPr kumimoji="1" lang="en-US" altLang="zh-CN" dirty="0" smtClean="0"/>
+              <a:t>Experiment</a:t>
+            </a:r>
+          </a:p>
+          <a:p>
+            <a:pPr lvl="1"/>
+            <a:r>
+              <a:rPr kumimoji="1" lang="en-US" altLang="zh-CN" dirty="0" smtClean="0"/>
+              <a:t>Record (mutation, </a:t>
+            </a:r>
+            <a:r>
+              <a:rPr kumimoji="1" lang="en-US" altLang="zh-CN" dirty="0" err="1" smtClean="0"/>
+              <a:t>cnv</a:t>
+            </a:r>
+            <a:r>
+              <a:rPr kumimoji="1" lang="en-US" altLang="zh-CN" dirty="0" smtClean="0"/>
+              <a:t>,…)</a:t>
             </a:r>
           </a:p>
           <a:p>
@@ -3691,32 +4525,33 @@
           </a:p>
           <a:p>
             <a:r>
-              <a:rPr kumimoji="1" lang="en-US" altLang="zh-CN" sz="3000" dirty="0" smtClean="0"/>
-              <a:t>Design </a:t>
-            </a:r>
-            <a:r>
-              <a:rPr kumimoji="1" lang="en-US" altLang="zh-CN" sz="3000" dirty="0" err="1" smtClean="0"/>
-              <a:t>RESTful</a:t>
-            </a:r>
-            <a:r>
-              <a:rPr kumimoji="1" lang="en-US" altLang="zh-CN" sz="3000" dirty="0" smtClean="0"/>
-              <a:t> API for data retrieval</a:t>
-            </a:r>
-          </a:p>
-          <a:p>
+              <a:rPr kumimoji="1" lang="en-US" altLang="zh-CN" dirty="0" smtClean="0"/>
+              <a:t>Annotation</a:t>
+            </a:r>
+          </a:p>
+          <a:p>
+            <a:pPr lvl="1"/>
+            <a:r>
+              <a:rPr kumimoji="1" lang="en-US" altLang="zh-CN" dirty="0" smtClean="0"/>
+              <a:t>Gene</a:t>
+            </a:r>
+          </a:p>
+          <a:p>
+            <a:pPr lvl="1"/>
+            <a:r>
+              <a:rPr kumimoji="1" lang="en-US" altLang="zh-CN" dirty="0" smtClean="0"/>
+              <a:t>Cancer study</a:t>
+            </a:r>
+          </a:p>
+          <a:p>
+            <a:pPr lvl="1"/>
+            <a:r>
+              <a:rPr kumimoji="1" lang="en-US" altLang="zh-CN" smtClean="0"/>
+              <a:t>…</a:t>
+            </a:r>
             <a:endParaRPr kumimoji="1" lang="en-US" altLang="zh-CN" dirty="0" smtClean="0"/>
           </a:p>
           <a:p>
-            <a:endParaRPr kumimoji="1" lang="en-US" altLang="zh-CN" dirty="0"/>
-          </a:p>
-          <a:p>
-            <a:pPr lvl="1"/>
-            <a:endParaRPr kumimoji="1" lang="en-US" altLang="zh-CN" dirty="0"/>
-          </a:p>
-          <a:p>
-            <a:pPr marL="457200" lvl="1" indent="0">
-              <a:buNone/>
-            </a:pPr>
             <a:endParaRPr kumimoji="1" lang="zh-CN" altLang="en-US" dirty="0"/>
           </a:p>
         </p:txBody>
@@ -3724,7 +4559,7 @@
     </p:spTree>
     <p:extLst>
       <p:ext uri="{BB962C8B-B14F-4D97-AF65-F5344CB8AC3E}">
-        <p14:creationId xmlns:p14="http://schemas.microsoft.com/office/powerpoint/2010/main" val="1151791662"/>
+        <p14:creationId xmlns:p14="http://schemas.microsoft.com/office/powerpoint/2010/main" val="3197034227"/>
       </p:ext>
     </p:extLst>
   </p:cSld>
@@ -3787,19 +4622,19 @@
         <p:spPr/>
         <p:txBody>
           <a:bodyPr>
-            <a:normAutofit fontScale="92500" lnSpcReduction="10000"/>
+            <a:normAutofit/>
           </a:bodyPr>
           <a:lstStyle/>
           <a:p>
             <a:r>
-              <a:rPr kumimoji="1" lang="en-US" altLang="zh-CN" dirty="0" smtClean="0"/>
+              <a:rPr kumimoji="1" lang="en-US" altLang="zh-CN" sz="3000" dirty="0" smtClean="0"/>
               <a:t>Design data model for cancer genomic data</a:t>
             </a:r>
           </a:p>
           <a:p>
             <a:pPr lvl="1"/>
             <a:r>
-              <a:rPr kumimoji="1" lang="en-US" altLang="zh-CN" dirty="0" smtClean="0"/>
+              <a:rPr kumimoji="1" lang="en-US" altLang="zh-CN" sz="2600" dirty="0" smtClean="0"/>
               <a:t>Processed, not raw data</a:t>
             </a:r>
           </a:p>
@@ -3808,36 +4643,20 @@
           </a:p>
           <a:p>
             <a:r>
-              <a:rPr kumimoji="1" lang="en-US" altLang="zh-CN" dirty="0" smtClean="0"/>
+              <a:rPr kumimoji="1" lang="en-US" altLang="zh-CN" sz="3000" dirty="0" smtClean="0"/>
               <a:t>Design </a:t>
             </a:r>
             <a:r>
-              <a:rPr kumimoji="1" lang="en-US" altLang="zh-CN" dirty="0" err="1" smtClean="0"/>
+              <a:rPr kumimoji="1" lang="en-US" altLang="zh-CN" sz="3000" dirty="0" err="1" smtClean="0"/>
               <a:t>RESTful</a:t>
             </a:r>
             <a:r>
-              <a:rPr kumimoji="1" lang="en-US" altLang="zh-CN" dirty="0" smtClean="0"/>
+              <a:rPr kumimoji="1" lang="en-US" altLang="zh-CN" sz="3000" dirty="0" smtClean="0"/>
               <a:t> API for data retrieval</a:t>
             </a:r>
           </a:p>
           <a:p>
             <a:endParaRPr kumimoji="1" lang="en-US" altLang="zh-CN" dirty="0" smtClean="0"/>
-          </a:p>
-          <a:p>
-            <a:r>
-              <a:rPr kumimoji="1" lang="en-US" altLang="zh-CN" dirty="0" smtClean="0"/>
-              <a:t>Implement API using a mature and portable framework.</a:t>
-            </a:r>
-          </a:p>
-          <a:p>
-            <a:endParaRPr kumimoji="1" lang="en-US" altLang="zh-CN" dirty="0"/>
-          </a:p>
-          <a:p>
-            <a:r>
-              <a:rPr kumimoji="1" lang="en-US" altLang="zh-CN" dirty="0" smtClean="0"/>
-              <a:t>Performance Benchmark</a:t>
-            </a:r>
-            <a:endParaRPr kumimoji="1" lang="en-US" altLang="zh-CN" dirty="0"/>
           </a:p>
           <a:p>
             <a:endParaRPr kumimoji="1" lang="en-US" altLang="zh-CN" dirty="0"/>
@@ -3920,19 +4739,19 @@
         <p:spPr/>
         <p:txBody>
           <a:bodyPr>
-            <a:normAutofit fontScale="92500" lnSpcReduction="10000"/>
+            <a:normAutofit/>
           </a:bodyPr>
           <a:lstStyle/>
           <a:p>
             <a:r>
-              <a:rPr kumimoji="1" lang="en-US" altLang="zh-CN" dirty="0" smtClean="0"/>
+              <a:rPr kumimoji="1" lang="en-US" altLang="zh-CN" sz="3000" dirty="0" smtClean="0"/>
               <a:t>Design data model for cancer genomic data</a:t>
             </a:r>
           </a:p>
           <a:p>
             <a:pPr lvl="1"/>
             <a:r>
-              <a:rPr kumimoji="1" lang="en-US" altLang="zh-CN" dirty="0" smtClean="0"/>
+              <a:rPr kumimoji="1" lang="en-US" altLang="zh-CN" sz="2600" dirty="0" smtClean="0"/>
               <a:t>Processed, not raw data</a:t>
             </a:r>
           </a:p>
@@ -3941,35 +4760,28 @@
           </a:p>
           <a:p>
             <a:r>
-              <a:rPr kumimoji="1" lang="en-US" altLang="zh-CN" dirty="0" smtClean="0"/>
+              <a:rPr kumimoji="1" lang="en-US" altLang="zh-CN" sz="3000" dirty="0" smtClean="0"/>
               <a:t>Design </a:t>
             </a:r>
             <a:r>
-              <a:rPr kumimoji="1" lang="en-US" altLang="zh-CN" dirty="0" err="1" smtClean="0"/>
+              <a:rPr kumimoji="1" lang="en-US" altLang="zh-CN" sz="3000" dirty="0" err="1" smtClean="0"/>
               <a:t>RESTful</a:t>
             </a:r>
             <a:r>
-              <a:rPr kumimoji="1" lang="en-US" altLang="zh-CN" dirty="0" smtClean="0"/>
+              <a:rPr kumimoji="1" lang="en-US" altLang="zh-CN" sz="3000" dirty="0" smtClean="0"/>
               <a:t> API for data retrieval</a:t>
             </a:r>
           </a:p>
           <a:p>
-            <a:endParaRPr kumimoji="1" lang="en-US" altLang="zh-CN" dirty="0" smtClean="0"/>
-          </a:p>
-          <a:p>
-            <a:r>
-              <a:rPr kumimoji="1" lang="en-US" altLang="zh-CN" dirty="0" smtClean="0"/>
+            <a:endParaRPr kumimoji="1" lang="en-US" altLang="zh-CN" sz="3000" dirty="0" smtClean="0"/>
+          </a:p>
+          <a:p>
+            <a:r>
+              <a:rPr kumimoji="1" lang="en-US" altLang="zh-CN" sz="3000" dirty="0" smtClean="0"/>
               <a:t>Implement API using a mature and portable framework.</a:t>
             </a:r>
           </a:p>
           <a:p>
-            <a:endParaRPr kumimoji="1" lang="en-US" altLang="zh-CN" dirty="0"/>
-          </a:p>
-          <a:p>
-            <a:r>
-              <a:rPr kumimoji="1" lang="en-US" altLang="zh-CN" dirty="0" smtClean="0"/>
-              <a:t>Performance Benchmark</a:t>
-            </a:r>
             <a:endParaRPr kumimoji="1" lang="en-US" altLang="zh-CN" dirty="0"/>
           </a:p>
           <a:p>
@@ -4034,7 +4846,7 @@
           <a:p>
             <a:r>
               <a:rPr kumimoji="1" lang="en-US" altLang="zh-CN" dirty="0" smtClean="0"/>
-              <a:t>Query demo</a:t>
+              <a:t>Project overview</a:t>
             </a:r>
             <a:endParaRPr kumimoji="1" lang="zh-CN" altLang="en-US" dirty="0"/>
           </a:p>
@@ -4050,14 +4862,54 @@
             <p:ph idx="1"/>
           </p:nvPr>
         </p:nvSpPr>
-        <p:spPr/>
-        <p:txBody>
-          <a:bodyPr/>
-          <a:lstStyle/>
-          <a:p>
-            <a:r>
-              <a:rPr kumimoji="1" lang="en-US" altLang="zh-CN" dirty="0" smtClean="0"/>
-              <a:t>URL pattern</a:t>
+        <p:spPr>
+          <a:xfrm>
+            <a:off x="457200" y="1600200"/>
+            <a:ext cx="8229600" cy="4806244"/>
+          </a:xfrm>
+        </p:spPr>
+        <p:txBody>
+          <a:bodyPr>
+            <a:normAutofit lnSpcReduction="10000"/>
+          </a:bodyPr>
+          <a:lstStyle/>
+          <a:p>
+            <a:r>
+              <a:rPr kumimoji="1" lang="en-US" altLang="zh-CN" dirty="0" smtClean="0"/>
+              <a:t>Design data model for cancer genomic data</a:t>
+            </a:r>
+          </a:p>
+          <a:p>
+            <a:pPr lvl="1"/>
+            <a:r>
+              <a:rPr kumimoji="1" lang="en-US" altLang="zh-CN" dirty="0" smtClean="0"/>
+              <a:t>Processed, not raw data</a:t>
+            </a:r>
+          </a:p>
+          <a:p>
+            <a:endParaRPr kumimoji="1" lang="en-US" altLang="zh-CN" dirty="0" smtClean="0"/>
+          </a:p>
+          <a:p>
+            <a:r>
+              <a:rPr kumimoji="1" lang="en-US" altLang="zh-CN" dirty="0" smtClean="0"/>
+              <a:t>Design </a:t>
+            </a:r>
+            <a:r>
+              <a:rPr kumimoji="1" lang="en-US" altLang="zh-CN" dirty="0" err="1" smtClean="0"/>
+              <a:t>RESTful</a:t>
+            </a:r>
+            <a:r>
+              <a:rPr kumimoji="1" lang="en-US" altLang="zh-CN" dirty="0" smtClean="0"/>
+              <a:t> API for data retrieval</a:t>
+            </a:r>
+          </a:p>
+          <a:p>
+            <a:endParaRPr kumimoji="1" lang="en-US" altLang="zh-CN" dirty="0" smtClean="0"/>
+          </a:p>
+          <a:p>
+            <a:r>
+              <a:rPr kumimoji="1" lang="en-US" altLang="zh-CN" dirty="0" smtClean="0"/>
+              <a:t>Implement API using a mature and portable framework.</a:t>
             </a:r>
           </a:p>
           <a:p>
@@ -4066,26 +4918,21 @@
           <a:p>
             <a:r>
               <a:rPr kumimoji="1" lang="en-US" altLang="zh-CN" dirty="0" smtClean="0"/>
-              <a:t>Dynamic queries</a:t>
-            </a:r>
-          </a:p>
-          <a:p>
+              <a:t>Performance Benchmark</a:t>
+            </a:r>
             <a:endParaRPr kumimoji="1" lang="en-US" altLang="zh-CN" dirty="0"/>
           </a:p>
           <a:p>
-            <a:r>
-              <a:rPr kumimoji="1" lang="en-US" altLang="zh-CN" dirty="0" smtClean="0"/>
-              <a:t>Field filtering</a:t>
-            </a:r>
-          </a:p>
-          <a:p>
             <a:endParaRPr kumimoji="1" lang="en-US" altLang="zh-CN" dirty="0"/>
           </a:p>
           <a:p>
-            <a:r>
-              <a:rPr kumimoji="1" lang="en-US" altLang="zh-CN" dirty="0" smtClean="0"/>
-              <a:t>Paging and sorting</a:t>
-            </a:r>
+            <a:pPr lvl="1"/>
+            <a:endParaRPr kumimoji="1" lang="en-US" altLang="zh-CN" dirty="0"/>
+          </a:p>
+          <a:p>
+            <a:pPr marL="457200" lvl="1" indent="0">
+              <a:buNone/>
+            </a:pPr>
             <a:endParaRPr kumimoji="1" lang="zh-CN" altLang="en-US" dirty="0"/>
           </a:p>
         </p:txBody>
@@ -4093,7 +4940,7 @@
     </p:spTree>
     <p:extLst>
       <p:ext uri="{BB962C8B-B14F-4D97-AF65-F5344CB8AC3E}">
-        <p14:creationId xmlns:p14="http://schemas.microsoft.com/office/powerpoint/2010/main" val="1464634272"/>
+        <p14:creationId xmlns:p14="http://schemas.microsoft.com/office/powerpoint/2010/main" val="1151791662"/>
       </p:ext>
     </p:extLst>
   </p:cSld>

--- a/docs/Gsoc_midterm_demo_070715.pptx
+++ b/docs/Gsoc_midterm_demo_070715.pptx
@@ -14,14 +14,13 @@
     <p:sldId id="259" r:id="rId8"/>
     <p:sldId id="260" r:id="rId9"/>
     <p:sldId id="261" r:id="rId10"/>
-    <p:sldId id="266" r:id="rId11"/>
-    <p:sldId id="269" r:id="rId12"/>
-    <p:sldId id="270" r:id="rId13"/>
-    <p:sldId id="271" r:id="rId14"/>
-    <p:sldId id="267" r:id="rId15"/>
-    <p:sldId id="264" r:id="rId16"/>
-    <p:sldId id="273" r:id="rId17"/>
-    <p:sldId id="265" r:id="rId18"/>
+    <p:sldId id="269" r:id="rId11"/>
+    <p:sldId id="270" r:id="rId12"/>
+    <p:sldId id="271" r:id="rId13"/>
+    <p:sldId id="267" r:id="rId14"/>
+    <p:sldId id="264" r:id="rId15"/>
+    <p:sldId id="273" r:id="rId16"/>
+    <p:sldId id="265" r:id="rId17"/>
   </p:sldIdLst>
   <p:sldSz cx="9144000" cy="6858000" type="screen4x3"/>
   <p:notesSz cx="6858000" cy="9144000"/>
@@ -3277,28 +3276,12 @@
             </a:pPr>
             <a:endParaRPr kumimoji="1" lang="en-US" altLang="zh-CN" dirty="0" smtClean="0"/>
           </a:p>
-          <a:p>
-            <a:r>
-              <a:rPr kumimoji="1" lang="en-US" altLang="zh-CN" dirty="0" smtClean="0"/>
-              <a:t>Command line utilities for data import</a:t>
-            </a:r>
-          </a:p>
-          <a:p>
-            <a:endParaRPr kumimoji="1" lang="en-US" altLang="zh-CN" dirty="0" smtClean="0"/>
-          </a:p>
-          <a:p>
-            <a:r>
-              <a:rPr kumimoji="1" lang="en-US" altLang="zh-CN" dirty="0" smtClean="0"/>
-              <a:t>Managed by Maven</a:t>
-            </a:r>
-            <a:endParaRPr kumimoji="1" lang="en-US" altLang="zh-CN" dirty="0"/>
-          </a:p>
         </p:txBody>
       </p:sp>
     </p:spTree>
     <p:extLst>
       <p:ext uri="{BB962C8B-B14F-4D97-AF65-F5344CB8AC3E}">
-        <p14:creationId xmlns:p14="http://schemas.microsoft.com/office/powerpoint/2010/main" val="630216944"/>
+        <p14:creationId xmlns:p14="http://schemas.microsoft.com/office/powerpoint/2010/main" val="877928734"/>
       </p:ext>
     </p:extLst>
   </p:cSld>
@@ -3394,6 +3377,15 @@
             <a:pPr marL="0" indent="0">
               <a:buNone/>
             </a:pPr>
+            <a:endParaRPr kumimoji="1" lang="en-US" altLang="zh-CN" dirty="0" smtClean="0"/>
+          </a:p>
+          <a:p>
+            <a:r>
+              <a:rPr kumimoji="1" lang="en-US" altLang="zh-CN" dirty="0" smtClean="0"/>
+              <a:t>Command line utilities, e.g. data import scripts</a:t>
+            </a:r>
+          </a:p>
+          <a:p>
             <a:endParaRPr kumimoji="1" lang="en-US" altLang="zh-CN" dirty="0" smtClean="0"/>
           </a:p>
         </p:txBody>
@@ -3508,6 +3500,13 @@
           <a:p>
             <a:endParaRPr kumimoji="1" lang="en-US" altLang="zh-CN" dirty="0" smtClean="0"/>
           </a:p>
+          <a:p>
+            <a:r>
+              <a:rPr kumimoji="1" lang="en-US" altLang="zh-CN" dirty="0" smtClean="0"/>
+              <a:t>Managed by Maven</a:t>
+            </a:r>
+            <a:endParaRPr kumimoji="1" lang="en-US" altLang="zh-CN" dirty="0"/>
+          </a:p>
         </p:txBody>
       </p:sp>
     </p:spTree>
@@ -3557,7 +3556,7 @@
           <a:p>
             <a:r>
               <a:rPr kumimoji="1" lang="en-US" altLang="zh-CN" dirty="0" smtClean="0"/>
-              <a:t>Implementation</a:t>
+              <a:t>Building and running</a:t>
             </a:r>
             <a:endParaRPr kumimoji="1" lang="zh-CN" altLang="en-US" dirty="0"/>
           </a:p>
@@ -3575,64 +3574,67 @@
         </p:nvSpPr>
         <p:spPr/>
         <p:txBody>
-          <a:bodyPr/>
-          <a:lstStyle/>
-          <a:p>
-            <a:r>
-              <a:rPr kumimoji="1" lang="en-US" altLang="zh-CN" dirty="0" smtClean="0"/>
-              <a:t>Spring framework</a:t>
-            </a:r>
-          </a:p>
-          <a:p>
-            <a:pPr lvl="1"/>
-            <a:r>
-              <a:rPr kumimoji="1" lang="en-US" altLang="zh-CN" dirty="0" smtClean="0"/>
-              <a:t>Spring MVC</a:t>
-            </a:r>
-          </a:p>
-          <a:p>
-            <a:pPr lvl="1"/>
-            <a:r>
-              <a:rPr kumimoji="1" lang="en-US" altLang="zh-CN" dirty="0" smtClean="0"/>
-              <a:t>Spring Data </a:t>
-            </a:r>
-            <a:r>
-              <a:rPr kumimoji="1" lang="en-US" altLang="zh-CN" dirty="0" err="1" smtClean="0"/>
-              <a:t>MongoDB</a:t>
-            </a:r>
-            <a:r>
-              <a:rPr kumimoji="1" lang="en-US" altLang="zh-CN" dirty="0" smtClean="0"/>
-              <a:t> </a:t>
-            </a:r>
-          </a:p>
+          <a:bodyPr>
+            <a:normAutofit/>
+          </a:bodyPr>
+          <a:lstStyle/>
           <a:p>
             <a:pPr marL="0" indent="0">
               <a:buNone/>
             </a:pPr>
-            <a:endParaRPr kumimoji="1" lang="en-US" altLang="zh-CN" dirty="0" smtClean="0"/>
-          </a:p>
-          <a:p>
-            <a:r>
-              <a:rPr kumimoji="1" lang="en-US" altLang="zh-CN" dirty="0" smtClean="0"/>
-              <a:t>Command line utilities, e.g. data import scripts</a:t>
-            </a:r>
-          </a:p>
-          <a:p>
-            <a:endParaRPr kumimoji="1" lang="en-US" altLang="zh-CN" dirty="0" smtClean="0"/>
-          </a:p>
-          <a:p>
-            <a:r>
-              <a:rPr kumimoji="1" lang="en-US" altLang="zh-CN" dirty="0" smtClean="0"/>
-              <a:t>Managed by Maven</a:t>
-            </a:r>
-            <a:endParaRPr kumimoji="1" lang="en-US" altLang="zh-CN" dirty="0"/>
+            <a:r>
+              <a:rPr kumimoji="1" lang="en-US" altLang="zh-CN" sz="2400" dirty="0" smtClean="0">
+                <a:latin typeface="Courier"/>
+                <a:cs typeface="Courier"/>
+              </a:rPr>
+              <a:t>	$</a:t>
+            </a:r>
+            <a:r>
+              <a:rPr kumimoji="1" lang="en-US" altLang="zh-CN" sz="2400" dirty="0" err="1" smtClean="0">
+                <a:latin typeface="Courier"/>
+                <a:cs typeface="Courier"/>
+              </a:rPr>
+              <a:t>mvn</a:t>
+            </a:r>
+            <a:r>
+              <a:rPr kumimoji="1" lang="en-US" altLang="zh-CN" sz="2400" dirty="0" smtClean="0">
+                <a:latin typeface="Courier"/>
+                <a:cs typeface="Courier"/>
+              </a:rPr>
+              <a:t> package</a:t>
+            </a:r>
+          </a:p>
+          <a:p>
+            <a:pPr marL="0" indent="0">
+              <a:buNone/>
+            </a:pPr>
+            <a:endParaRPr kumimoji="1" lang="en-US" altLang="zh-CN" sz="2400" dirty="0">
+              <a:latin typeface="Courier"/>
+              <a:cs typeface="Courier"/>
+            </a:endParaRPr>
+          </a:p>
+          <a:p>
+            <a:pPr marL="0" indent="0">
+              <a:buNone/>
+            </a:pPr>
+            <a:r>
+              <a:rPr kumimoji="1" lang="en-US" altLang="zh-CN" sz="2400" dirty="0" smtClean="0">
+                <a:latin typeface="Courier"/>
+                <a:cs typeface="Courier"/>
+              </a:rPr>
+              <a:t>	$java –jar target/{project-name}.jar</a:t>
+            </a:r>
+            <a:endParaRPr kumimoji="1" lang="zh-CN" altLang="en-US" sz="2400" dirty="0">
+              <a:latin typeface="Courier"/>
+              <a:cs typeface="Courier"/>
+            </a:endParaRPr>
           </a:p>
         </p:txBody>
       </p:sp>
     </p:spTree>
     <p:extLst>
       <p:ext uri="{BB962C8B-B14F-4D97-AF65-F5344CB8AC3E}">
-        <p14:creationId xmlns:p14="http://schemas.microsoft.com/office/powerpoint/2010/main" val="877928734"/>
+        <p14:creationId xmlns:p14="http://schemas.microsoft.com/office/powerpoint/2010/main" val="422138613"/>
       </p:ext>
     </p:extLst>
   </p:cSld>
@@ -3676,7 +3678,7 @@
           <a:p>
             <a:r>
               <a:rPr kumimoji="1" lang="en-US" altLang="zh-CN" dirty="0" smtClean="0"/>
-              <a:t>Building and running</a:t>
+              <a:t>Query demo</a:t>
             </a:r>
             <a:endParaRPr kumimoji="1" lang="zh-CN" altLang="en-US" dirty="0"/>
           </a:p>
@@ -3694,67 +3696,41 @@
         </p:nvSpPr>
         <p:spPr/>
         <p:txBody>
-          <a:bodyPr>
-            <a:normAutofit/>
-          </a:bodyPr>
-          <a:lstStyle/>
-          <a:p>
-            <a:pPr marL="0" indent="0">
-              <a:buNone/>
-            </a:pPr>
-            <a:r>
-              <a:rPr kumimoji="1" lang="en-US" altLang="zh-CN" sz="2400" dirty="0" smtClean="0">
-                <a:latin typeface="Courier"/>
-                <a:cs typeface="Courier"/>
-              </a:rPr>
-              <a:t>	$</a:t>
-            </a:r>
-            <a:r>
-              <a:rPr kumimoji="1" lang="en-US" altLang="zh-CN" sz="2400" dirty="0" err="1" smtClean="0">
-                <a:latin typeface="Courier"/>
-                <a:cs typeface="Courier"/>
-              </a:rPr>
-              <a:t>mvn</a:t>
-            </a:r>
-            <a:r>
-              <a:rPr kumimoji="1" lang="en-US" altLang="zh-CN" sz="2400" dirty="0" smtClean="0">
-                <a:latin typeface="Courier"/>
-                <a:cs typeface="Courier"/>
-              </a:rPr>
-              <a:t> package</a:t>
-            </a:r>
-          </a:p>
-          <a:p>
-            <a:pPr marL="0" indent="0">
-              <a:buNone/>
-            </a:pPr>
-            <a:endParaRPr kumimoji="1" lang="en-US" altLang="zh-CN" sz="2400" dirty="0">
-              <a:latin typeface="Courier"/>
-              <a:cs typeface="Courier"/>
-            </a:endParaRPr>
-          </a:p>
-          <a:p>
-            <a:pPr marL="0" indent="0">
-              <a:buNone/>
-            </a:pPr>
-            <a:r>
-              <a:rPr kumimoji="1" lang="en-US" altLang="zh-CN" sz="2400" dirty="0" smtClean="0">
-                <a:latin typeface="Courier"/>
-                <a:cs typeface="Courier"/>
-              </a:rPr>
-              <a:t>	$java –jar target/{project-name}.jar</a:t>
-            </a:r>
-            <a:endParaRPr kumimoji="1" lang="zh-CN" altLang="en-US" sz="2400" dirty="0">
-              <a:latin typeface="Courier"/>
-              <a:cs typeface="Courier"/>
-            </a:endParaRPr>
+          <a:bodyPr/>
+          <a:lstStyle/>
+          <a:p>
+            <a:r>
+              <a:rPr kumimoji="1" lang="en-US" altLang="zh-CN" dirty="0" smtClean="0"/>
+              <a:t>URL pattern</a:t>
+            </a:r>
+          </a:p>
+          <a:p>
+            <a:endParaRPr kumimoji="1" lang="en-US" altLang="zh-CN" dirty="0"/>
+          </a:p>
+          <a:p>
+            <a:r>
+              <a:rPr kumimoji="1" lang="en-US" altLang="zh-CN" dirty="0" smtClean="0"/>
+              <a:t>Dynamic queries</a:t>
+            </a:r>
+          </a:p>
+          <a:p>
+            <a:endParaRPr kumimoji="1" lang="en-US" altLang="zh-CN" dirty="0"/>
+          </a:p>
+          <a:p>
+            <a:r>
+              <a:rPr kumimoji="1" lang="en-US" altLang="zh-CN" dirty="0" smtClean="0"/>
+              <a:t>Field filtering</a:t>
+            </a:r>
+          </a:p>
+          <a:p>
+            <a:endParaRPr kumimoji="1" lang="en-US" altLang="zh-CN" dirty="0"/>
           </a:p>
         </p:txBody>
       </p:sp>
     </p:spTree>
     <p:extLst>
       <p:ext uri="{BB962C8B-B14F-4D97-AF65-F5344CB8AC3E}">
-        <p14:creationId xmlns:p14="http://schemas.microsoft.com/office/powerpoint/2010/main" val="422138613"/>
+        <p14:creationId xmlns:p14="http://schemas.microsoft.com/office/powerpoint/2010/main" val="1464634272"/>
       </p:ext>
     </p:extLst>
   </p:cSld>
@@ -3798,102 +3774,6 @@
           <a:p>
             <a:r>
               <a:rPr kumimoji="1" lang="en-US" altLang="zh-CN" dirty="0" smtClean="0"/>
-              <a:t>Query demo</a:t>
-            </a:r>
-            <a:endParaRPr kumimoji="1" lang="zh-CN" altLang="en-US" dirty="0"/>
-          </a:p>
-        </p:txBody>
-      </p:sp>
-      <p:sp>
-        <p:nvSpPr>
-          <p:cNvPr id="3" name="内容占位符 2"/>
-          <p:cNvSpPr>
-            <a:spLocks noGrp="1"/>
-          </p:cNvSpPr>
-          <p:nvPr>
-            <p:ph idx="1"/>
-          </p:nvPr>
-        </p:nvSpPr>
-        <p:spPr/>
-        <p:txBody>
-          <a:bodyPr/>
-          <a:lstStyle/>
-          <a:p>
-            <a:r>
-              <a:rPr kumimoji="1" lang="en-US" altLang="zh-CN" dirty="0" smtClean="0"/>
-              <a:t>URL pattern</a:t>
-            </a:r>
-          </a:p>
-          <a:p>
-            <a:endParaRPr kumimoji="1" lang="en-US" altLang="zh-CN" dirty="0"/>
-          </a:p>
-          <a:p>
-            <a:r>
-              <a:rPr kumimoji="1" lang="en-US" altLang="zh-CN" dirty="0" smtClean="0"/>
-              <a:t>Dynamic queries</a:t>
-            </a:r>
-          </a:p>
-          <a:p>
-            <a:endParaRPr kumimoji="1" lang="en-US" altLang="zh-CN" dirty="0"/>
-          </a:p>
-          <a:p>
-            <a:r>
-              <a:rPr kumimoji="1" lang="en-US" altLang="zh-CN" dirty="0" smtClean="0"/>
-              <a:t>Field filtering</a:t>
-            </a:r>
-          </a:p>
-          <a:p>
-            <a:endParaRPr kumimoji="1" lang="en-US" altLang="zh-CN" dirty="0"/>
-          </a:p>
-        </p:txBody>
-      </p:sp>
-    </p:spTree>
-    <p:extLst>
-      <p:ext uri="{BB962C8B-B14F-4D97-AF65-F5344CB8AC3E}">
-        <p14:creationId xmlns:p14="http://schemas.microsoft.com/office/powerpoint/2010/main" val="1464634272"/>
-      </p:ext>
-    </p:extLst>
-  </p:cSld>
-  <p:clrMapOvr>
-    <a:masterClrMapping/>
-  </p:clrMapOvr>
-</p:sld>
-</file>
-
-<file path=ppt/slides/slide16.xml><?xml version="1.0" encoding="utf-8"?>
-<p:sld xmlns:a="http://schemas.openxmlformats.org/drawingml/2006/main" xmlns:r="http://schemas.openxmlformats.org/officeDocument/2006/relationships" xmlns:p="http://schemas.openxmlformats.org/presentationml/2006/main">
-  <p:cSld>
-    <p:spTree>
-      <p:nvGrpSpPr>
-        <p:cNvPr id="1" name=""/>
-        <p:cNvGrpSpPr/>
-        <p:nvPr/>
-      </p:nvGrpSpPr>
-      <p:grpSpPr>
-        <a:xfrm>
-          <a:off x="0" y="0"/>
-          <a:ext cx="0" cy="0"/>
-          <a:chOff x="0" y="0"/>
-          <a:chExt cx="0" cy="0"/>
-        </a:xfrm>
-      </p:grpSpPr>
-      <p:sp>
-        <p:nvSpPr>
-          <p:cNvPr id="2" name="标题 1"/>
-          <p:cNvSpPr>
-            <a:spLocks noGrp="1"/>
-          </p:cNvSpPr>
-          <p:nvPr>
-            <p:ph type="title"/>
-          </p:nvPr>
-        </p:nvSpPr>
-        <p:spPr/>
-        <p:txBody>
-          <a:bodyPr/>
-          <a:lstStyle/>
-          <a:p>
-            <a:r>
-              <a:rPr kumimoji="1" lang="en-US" altLang="zh-CN" dirty="0" smtClean="0"/>
               <a:t>Current issues</a:t>
             </a:r>
             <a:endParaRPr kumimoji="1" lang="zh-CN" altLang="en-US" dirty="0"/>
@@ -3943,7 +3823,7 @@
 </p:sld>
 </file>
 
-<file path=ppt/slides/slide17.xml><?xml version="1.0" encoding="utf-8"?>
+<file path=ppt/slides/slide16.xml><?xml version="1.0" encoding="utf-8"?>
 <p:sld xmlns:a="http://schemas.openxmlformats.org/drawingml/2006/main" xmlns:r="http://schemas.openxmlformats.org/officeDocument/2006/relationships" xmlns:p="http://schemas.openxmlformats.org/presentationml/2006/main">
   <p:cSld>
     <p:spTree>
@@ -4546,10 +4426,9 @@
           <a:p>
             <a:pPr lvl="1"/>
             <a:r>
-              <a:rPr kumimoji="1" lang="en-US" altLang="zh-CN" smtClean="0"/>
+              <a:rPr kumimoji="1" lang="en-US" altLang="zh-CN" dirty="0" smtClean="0"/>
               <a:t>…</a:t>
             </a:r>
-            <a:endParaRPr kumimoji="1" lang="en-US" altLang="zh-CN" dirty="0" smtClean="0"/>
           </a:p>
           <a:p>
             <a:endParaRPr kumimoji="1" lang="zh-CN" altLang="en-US" dirty="0"/>
